--- a/ppt 16-9/0197.齐来崇拜.pptx
+++ b/ppt 16-9/0197.齐来崇拜.pptx
@@ -129,7 +129,7 @@
           <p:cNvPr id="2" name="标题 1">
             <a:extLst>
               <a:ext uri="{FF2B5EF4-FFF2-40B4-BE49-F238E27FC236}">
-                <a16:creationId xmlns:a16="http://schemas.microsoft.com/office/drawing/2014/main" id="{A90DA2EB-E905-20A9-AB6A-5FEA515DDA00}"/>
+                <a16:creationId xmlns:a16="http://schemas.microsoft.com/office/drawing/2014/main" id="{A343236D-E738-E0C1-970E-2E3F2FABDBAE}"/>
               </a:ext>
             </a:extLst>
           </p:cNvPr>
@@ -166,7 +166,7 @@
           <p:cNvPr id="3" name="副标题 2">
             <a:extLst>
               <a:ext uri="{FF2B5EF4-FFF2-40B4-BE49-F238E27FC236}">
-                <a16:creationId xmlns:a16="http://schemas.microsoft.com/office/drawing/2014/main" id="{B6784998-5A96-9405-AAD1-7F3225FA53CB}"/>
+                <a16:creationId xmlns:a16="http://schemas.microsoft.com/office/drawing/2014/main" id="{AEF35362-791E-F903-B57C-028F7F1BEC53}"/>
               </a:ext>
             </a:extLst>
           </p:cNvPr>
@@ -236,7 +236,7 @@
           <p:cNvPr id="4" name="日期占位符 3">
             <a:extLst>
               <a:ext uri="{FF2B5EF4-FFF2-40B4-BE49-F238E27FC236}">
-                <a16:creationId xmlns:a16="http://schemas.microsoft.com/office/drawing/2014/main" id="{8B024047-9247-45EF-9F68-084A3539376D}"/>
+                <a16:creationId xmlns:a16="http://schemas.microsoft.com/office/drawing/2014/main" id="{A31168FD-7355-29D3-985C-196043973CB6}"/>
               </a:ext>
             </a:extLst>
           </p:cNvPr>
@@ -252,7 +252,7 @@
           <a:bodyPr/>
           <a:lstStyle/>
           <a:p>
-            <a:fld id="{CC4CAF1F-BFD3-42C5-A0A9-ECB2DEA8190D}" type="datetimeFigureOut">
+            <a:fld id="{A2FD1176-7168-4549-BE70-64E001E7380A}" type="datetimeFigureOut">
               <a:rPr lang="zh-CN" altLang="en-US" smtClean="0"/>
               <a:t>2024/3/10</a:t>
             </a:fld>
@@ -265,7 +265,7 @@
           <p:cNvPr id="5" name="页脚占位符 4">
             <a:extLst>
               <a:ext uri="{FF2B5EF4-FFF2-40B4-BE49-F238E27FC236}">
-                <a16:creationId xmlns:a16="http://schemas.microsoft.com/office/drawing/2014/main" id="{C0CE917B-D348-B09B-8BC5-6DB4876B7F59}"/>
+                <a16:creationId xmlns:a16="http://schemas.microsoft.com/office/drawing/2014/main" id="{94A50318-17E3-3D53-D79E-D339E9327963}"/>
               </a:ext>
             </a:extLst>
           </p:cNvPr>
@@ -290,7 +290,7 @@
           <p:cNvPr id="6" name="灯片编号占位符 5">
             <a:extLst>
               <a:ext uri="{FF2B5EF4-FFF2-40B4-BE49-F238E27FC236}">
-                <a16:creationId xmlns:a16="http://schemas.microsoft.com/office/drawing/2014/main" id="{D55B4166-0A68-AFFE-D9B6-49DD7E3F1DA6}"/>
+                <a16:creationId xmlns:a16="http://schemas.microsoft.com/office/drawing/2014/main" id="{6692D284-EE50-FF1C-31C3-331896A2DDFC}"/>
               </a:ext>
             </a:extLst>
           </p:cNvPr>
@@ -306,7 +306,7 @@
           <a:bodyPr/>
           <a:lstStyle/>
           <a:p>
-            <a:fld id="{AEF97647-7655-4A2F-A5C8-F400651B0CC7}" type="slidenum">
+            <a:fld id="{037A5522-3E1B-4A57-A6AF-54C4C9E35FE5}" type="slidenum">
               <a:rPr lang="zh-CN" altLang="en-US" smtClean="0"/>
               <a:t>‹#›</a:t>
             </a:fld>
@@ -317,7 +317,7 @@
     </p:spTree>
     <p:extLst>
       <p:ext uri="{BB962C8B-B14F-4D97-AF65-F5344CB8AC3E}">
-        <p14:creationId xmlns:p14="http://schemas.microsoft.com/office/powerpoint/2010/main" val="2379509612"/>
+        <p14:creationId xmlns:p14="http://schemas.microsoft.com/office/powerpoint/2010/main" val="2746473406"/>
       </p:ext>
     </p:extLst>
   </p:cSld>
@@ -349,7 +349,7 @@
           <p:cNvPr id="2" name="标题 1">
             <a:extLst>
               <a:ext uri="{FF2B5EF4-FFF2-40B4-BE49-F238E27FC236}">
-                <a16:creationId xmlns:a16="http://schemas.microsoft.com/office/drawing/2014/main" id="{E87A4970-4A02-AAB7-2BC3-A3CF7CAE7DB5}"/>
+                <a16:creationId xmlns:a16="http://schemas.microsoft.com/office/drawing/2014/main" id="{8CE353DC-8446-7EEE-C10A-D85D31378FB7}"/>
               </a:ext>
             </a:extLst>
           </p:cNvPr>
@@ -377,7 +377,7 @@
           <p:cNvPr id="3" name="竖排文字占位符 2">
             <a:extLst>
               <a:ext uri="{FF2B5EF4-FFF2-40B4-BE49-F238E27FC236}">
-                <a16:creationId xmlns:a16="http://schemas.microsoft.com/office/drawing/2014/main" id="{521ECA0D-B30F-008A-1A2A-241ABCAA40CD}"/>
+                <a16:creationId xmlns:a16="http://schemas.microsoft.com/office/drawing/2014/main" id="{D53A9EDD-163C-EAED-BFB5-138E0D2974AB}"/>
               </a:ext>
             </a:extLst>
           </p:cNvPr>
@@ -434,7 +434,7 @@
           <p:cNvPr id="4" name="日期占位符 3">
             <a:extLst>
               <a:ext uri="{FF2B5EF4-FFF2-40B4-BE49-F238E27FC236}">
-                <a16:creationId xmlns:a16="http://schemas.microsoft.com/office/drawing/2014/main" id="{D92DDA60-F6AA-0206-C171-88DFD4566783}"/>
+                <a16:creationId xmlns:a16="http://schemas.microsoft.com/office/drawing/2014/main" id="{FCEF7AE0-7B07-915B-28CE-D4159507264D}"/>
               </a:ext>
             </a:extLst>
           </p:cNvPr>
@@ -450,7 +450,7 @@
           <a:bodyPr/>
           <a:lstStyle/>
           <a:p>
-            <a:fld id="{CC4CAF1F-BFD3-42C5-A0A9-ECB2DEA8190D}" type="datetimeFigureOut">
+            <a:fld id="{A2FD1176-7168-4549-BE70-64E001E7380A}" type="datetimeFigureOut">
               <a:rPr lang="zh-CN" altLang="en-US" smtClean="0"/>
               <a:t>2024/3/10</a:t>
             </a:fld>
@@ -463,7 +463,7 @@
           <p:cNvPr id="5" name="页脚占位符 4">
             <a:extLst>
               <a:ext uri="{FF2B5EF4-FFF2-40B4-BE49-F238E27FC236}">
-                <a16:creationId xmlns:a16="http://schemas.microsoft.com/office/drawing/2014/main" id="{8F8C478A-53C4-E96B-96F8-A2F4105DDA0E}"/>
+                <a16:creationId xmlns:a16="http://schemas.microsoft.com/office/drawing/2014/main" id="{F19C02E9-7A1C-A801-936F-E4A7D7612CBB}"/>
               </a:ext>
             </a:extLst>
           </p:cNvPr>
@@ -488,7 +488,7 @@
           <p:cNvPr id="6" name="灯片编号占位符 5">
             <a:extLst>
               <a:ext uri="{FF2B5EF4-FFF2-40B4-BE49-F238E27FC236}">
-                <a16:creationId xmlns:a16="http://schemas.microsoft.com/office/drawing/2014/main" id="{0AE867C2-0A81-A2E7-D284-1DA4A64F69E1}"/>
+                <a16:creationId xmlns:a16="http://schemas.microsoft.com/office/drawing/2014/main" id="{8DB492E4-54FB-7520-A22B-699DFD090CA8}"/>
               </a:ext>
             </a:extLst>
           </p:cNvPr>
@@ -504,7 +504,7 @@
           <a:bodyPr/>
           <a:lstStyle/>
           <a:p>
-            <a:fld id="{AEF97647-7655-4A2F-A5C8-F400651B0CC7}" type="slidenum">
+            <a:fld id="{037A5522-3E1B-4A57-A6AF-54C4C9E35FE5}" type="slidenum">
               <a:rPr lang="zh-CN" altLang="en-US" smtClean="0"/>
               <a:t>‹#›</a:t>
             </a:fld>
@@ -515,7 +515,7 @@
     </p:spTree>
     <p:extLst>
       <p:ext uri="{BB962C8B-B14F-4D97-AF65-F5344CB8AC3E}">
-        <p14:creationId xmlns:p14="http://schemas.microsoft.com/office/powerpoint/2010/main" val="3789818549"/>
+        <p14:creationId xmlns:p14="http://schemas.microsoft.com/office/powerpoint/2010/main" val="2115495152"/>
       </p:ext>
     </p:extLst>
   </p:cSld>
@@ -547,7 +547,7 @@
           <p:cNvPr id="2" name="竖排标题 1">
             <a:extLst>
               <a:ext uri="{FF2B5EF4-FFF2-40B4-BE49-F238E27FC236}">
-                <a16:creationId xmlns:a16="http://schemas.microsoft.com/office/drawing/2014/main" id="{271C9DD0-2A8F-83AA-5581-E5D0EFB2C7F5}"/>
+                <a16:creationId xmlns:a16="http://schemas.microsoft.com/office/drawing/2014/main" id="{535D1594-069F-0508-6C23-6856FC5C3CD3}"/>
               </a:ext>
             </a:extLst>
           </p:cNvPr>
@@ -580,7 +580,7 @@
           <p:cNvPr id="3" name="竖排文字占位符 2">
             <a:extLst>
               <a:ext uri="{FF2B5EF4-FFF2-40B4-BE49-F238E27FC236}">
-                <a16:creationId xmlns:a16="http://schemas.microsoft.com/office/drawing/2014/main" id="{55399496-5B5C-896D-33A4-1900FBDCE05A}"/>
+                <a16:creationId xmlns:a16="http://schemas.microsoft.com/office/drawing/2014/main" id="{6E74C234-D1B9-58F5-EB98-5CC332D918D4}"/>
               </a:ext>
             </a:extLst>
           </p:cNvPr>
@@ -642,7 +642,7 @@
           <p:cNvPr id="4" name="日期占位符 3">
             <a:extLst>
               <a:ext uri="{FF2B5EF4-FFF2-40B4-BE49-F238E27FC236}">
-                <a16:creationId xmlns:a16="http://schemas.microsoft.com/office/drawing/2014/main" id="{CC8185EC-C33E-E410-23A7-125EF33AC238}"/>
+                <a16:creationId xmlns:a16="http://schemas.microsoft.com/office/drawing/2014/main" id="{13E92FDF-961F-F4A9-88E9-DC3282C2EB5D}"/>
               </a:ext>
             </a:extLst>
           </p:cNvPr>
@@ -658,7 +658,7 @@
           <a:bodyPr/>
           <a:lstStyle/>
           <a:p>
-            <a:fld id="{CC4CAF1F-BFD3-42C5-A0A9-ECB2DEA8190D}" type="datetimeFigureOut">
+            <a:fld id="{A2FD1176-7168-4549-BE70-64E001E7380A}" type="datetimeFigureOut">
               <a:rPr lang="zh-CN" altLang="en-US" smtClean="0"/>
               <a:t>2024/3/10</a:t>
             </a:fld>
@@ -671,7 +671,7 @@
           <p:cNvPr id="5" name="页脚占位符 4">
             <a:extLst>
               <a:ext uri="{FF2B5EF4-FFF2-40B4-BE49-F238E27FC236}">
-                <a16:creationId xmlns:a16="http://schemas.microsoft.com/office/drawing/2014/main" id="{25A2103B-9C31-4454-626A-655B0EDE8803}"/>
+                <a16:creationId xmlns:a16="http://schemas.microsoft.com/office/drawing/2014/main" id="{E5E1D05F-83EB-325F-EFB5-3638EEA83B67}"/>
               </a:ext>
             </a:extLst>
           </p:cNvPr>
@@ -696,7 +696,7 @@
           <p:cNvPr id="6" name="灯片编号占位符 5">
             <a:extLst>
               <a:ext uri="{FF2B5EF4-FFF2-40B4-BE49-F238E27FC236}">
-                <a16:creationId xmlns:a16="http://schemas.microsoft.com/office/drawing/2014/main" id="{473DA041-9AD9-AEA6-3D65-8DF68C5C02DE}"/>
+                <a16:creationId xmlns:a16="http://schemas.microsoft.com/office/drawing/2014/main" id="{07FA39DC-5F17-C9F9-7BEE-F5E8BC2B9B8C}"/>
               </a:ext>
             </a:extLst>
           </p:cNvPr>
@@ -712,7 +712,7 @@
           <a:bodyPr/>
           <a:lstStyle/>
           <a:p>
-            <a:fld id="{AEF97647-7655-4A2F-A5C8-F400651B0CC7}" type="slidenum">
+            <a:fld id="{037A5522-3E1B-4A57-A6AF-54C4C9E35FE5}" type="slidenum">
               <a:rPr lang="zh-CN" altLang="en-US" smtClean="0"/>
               <a:t>‹#›</a:t>
             </a:fld>
@@ -723,7 +723,7 @@
     </p:spTree>
     <p:extLst>
       <p:ext uri="{BB962C8B-B14F-4D97-AF65-F5344CB8AC3E}">
-        <p14:creationId xmlns:p14="http://schemas.microsoft.com/office/powerpoint/2010/main" val="3034856280"/>
+        <p14:creationId xmlns:p14="http://schemas.microsoft.com/office/powerpoint/2010/main" val="266941772"/>
       </p:ext>
     </p:extLst>
   </p:cSld>
@@ -755,7 +755,7 @@
           <p:cNvPr id="2" name="标题 1">
             <a:extLst>
               <a:ext uri="{FF2B5EF4-FFF2-40B4-BE49-F238E27FC236}">
-                <a16:creationId xmlns:a16="http://schemas.microsoft.com/office/drawing/2014/main" id="{F77E5A2D-2E96-1C23-4226-42AF646EC427}"/>
+                <a16:creationId xmlns:a16="http://schemas.microsoft.com/office/drawing/2014/main" id="{6600D8CE-5637-A984-44E9-1741BC24B7ED}"/>
               </a:ext>
             </a:extLst>
           </p:cNvPr>
@@ -783,7 +783,7 @@
           <p:cNvPr id="3" name="内容占位符 2">
             <a:extLst>
               <a:ext uri="{FF2B5EF4-FFF2-40B4-BE49-F238E27FC236}">
-                <a16:creationId xmlns:a16="http://schemas.microsoft.com/office/drawing/2014/main" id="{C4D928C9-2535-F71E-78DE-3B2A22D93D6E}"/>
+                <a16:creationId xmlns:a16="http://schemas.microsoft.com/office/drawing/2014/main" id="{B2C8A620-44B7-C96D-E924-55A6C4B78890}"/>
               </a:ext>
             </a:extLst>
           </p:cNvPr>
@@ -840,7 +840,7 @@
           <p:cNvPr id="4" name="日期占位符 3">
             <a:extLst>
               <a:ext uri="{FF2B5EF4-FFF2-40B4-BE49-F238E27FC236}">
-                <a16:creationId xmlns:a16="http://schemas.microsoft.com/office/drawing/2014/main" id="{132A8298-0683-0FD2-FDA4-029EA93E0C6B}"/>
+                <a16:creationId xmlns:a16="http://schemas.microsoft.com/office/drawing/2014/main" id="{352D51C2-FAE8-1F8C-4243-B4D047071AEC}"/>
               </a:ext>
             </a:extLst>
           </p:cNvPr>
@@ -856,7 +856,7 @@
           <a:bodyPr/>
           <a:lstStyle/>
           <a:p>
-            <a:fld id="{CC4CAF1F-BFD3-42C5-A0A9-ECB2DEA8190D}" type="datetimeFigureOut">
+            <a:fld id="{A2FD1176-7168-4549-BE70-64E001E7380A}" type="datetimeFigureOut">
               <a:rPr lang="zh-CN" altLang="en-US" smtClean="0"/>
               <a:t>2024/3/10</a:t>
             </a:fld>
@@ -869,7 +869,7 @@
           <p:cNvPr id="5" name="页脚占位符 4">
             <a:extLst>
               <a:ext uri="{FF2B5EF4-FFF2-40B4-BE49-F238E27FC236}">
-                <a16:creationId xmlns:a16="http://schemas.microsoft.com/office/drawing/2014/main" id="{2139310F-A47C-8A9A-2BD5-913C4B58DF30}"/>
+                <a16:creationId xmlns:a16="http://schemas.microsoft.com/office/drawing/2014/main" id="{EF0F3642-43FB-6B6A-3063-90892D4BA71F}"/>
               </a:ext>
             </a:extLst>
           </p:cNvPr>
@@ -894,7 +894,7 @@
           <p:cNvPr id="6" name="灯片编号占位符 5">
             <a:extLst>
               <a:ext uri="{FF2B5EF4-FFF2-40B4-BE49-F238E27FC236}">
-                <a16:creationId xmlns:a16="http://schemas.microsoft.com/office/drawing/2014/main" id="{09DB0CB8-EBDE-8EEB-76AE-7F2CB5FDFC6E}"/>
+                <a16:creationId xmlns:a16="http://schemas.microsoft.com/office/drawing/2014/main" id="{ABB502F6-4708-4987-A48C-38CB2C174398}"/>
               </a:ext>
             </a:extLst>
           </p:cNvPr>
@@ -910,7 +910,7 @@
           <a:bodyPr/>
           <a:lstStyle/>
           <a:p>
-            <a:fld id="{AEF97647-7655-4A2F-A5C8-F400651B0CC7}" type="slidenum">
+            <a:fld id="{037A5522-3E1B-4A57-A6AF-54C4C9E35FE5}" type="slidenum">
               <a:rPr lang="zh-CN" altLang="en-US" smtClean="0"/>
               <a:t>‹#›</a:t>
             </a:fld>
@@ -921,7 +921,7 @@
     </p:spTree>
     <p:extLst>
       <p:ext uri="{BB962C8B-B14F-4D97-AF65-F5344CB8AC3E}">
-        <p14:creationId xmlns:p14="http://schemas.microsoft.com/office/powerpoint/2010/main" val="775958410"/>
+        <p14:creationId xmlns:p14="http://schemas.microsoft.com/office/powerpoint/2010/main" val="3409240912"/>
       </p:ext>
     </p:extLst>
   </p:cSld>
@@ -953,7 +953,7 @@
           <p:cNvPr id="2" name="标题 1">
             <a:extLst>
               <a:ext uri="{FF2B5EF4-FFF2-40B4-BE49-F238E27FC236}">
-                <a16:creationId xmlns:a16="http://schemas.microsoft.com/office/drawing/2014/main" id="{A1A04960-D1C8-5475-3B2D-447D82396449}"/>
+                <a16:creationId xmlns:a16="http://schemas.microsoft.com/office/drawing/2014/main" id="{DD6A2822-8931-8FD9-54B6-A8631AA1ACE8}"/>
               </a:ext>
             </a:extLst>
           </p:cNvPr>
@@ -990,7 +990,7 @@
           <p:cNvPr id="3" name="文本占位符 2">
             <a:extLst>
               <a:ext uri="{FF2B5EF4-FFF2-40B4-BE49-F238E27FC236}">
-                <a16:creationId xmlns:a16="http://schemas.microsoft.com/office/drawing/2014/main" id="{8E53EE37-AA54-E61A-2AED-330C9570B038}"/>
+                <a16:creationId xmlns:a16="http://schemas.microsoft.com/office/drawing/2014/main" id="{B78A9BC3-4121-7DB1-1836-61F94009FD68}"/>
               </a:ext>
             </a:extLst>
           </p:cNvPr>
@@ -1115,7 +1115,7 @@
           <p:cNvPr id="4" name="日期占位符 3">
             <a:extLst>
               <a:ext uri="{FF2B5EF4-FFF2-40B4-BE49-F238E27FC236}">
-                <a16:creationId xmlns:a16="http://schemas.microsoft.com/office/drawing/2014/main" id="{41DA99D4-FF26-8A6F-E41F-39EA33127188}"/>
+                <a16:creationId xmlns:a16="http://schemas.microsoft.com/office/drawing/2014/main" id="{92C5AB47-41F9-EC82-2288-36476490F4DB}"/>
               </a:ext>
             </a:extLst>
           </p:cNvPr>
@@ -1131,7 +1131,7 @@
           <a:bodyPr/>
           <a:lstStyle/>
           <a:p>
-            <a:fld id="{CC4CAF1F-BFD3-42C5-A0A9-ECB2DEA8190D}" type="datetimeFigureOut">
+            <a:fld id="{A2FD1176-7168-4549-BE70-64E001E7380A}" type="datetimeFigureOut">
               <a:rPr lang="zh-CN" altLang="en-US" smtClean="0"/>
               <a:t>2024/3/10</a:t>
             </a:fld>
@@ -1144,7 +1144,7 @@
           <p:cNvPr id="5" name="页脚占位符 4">
             <a:extLst>
               <a:ext uri="{FF2B5EF4-FFF2-40B4-BE49-F238E27FC236}">
-                <a16:creationId xmlns:a16="http://schemas.microsoft.com/office/drawing/2014/main" id="{6BC40224-08ED-284C-BA83-1FC39829E749}"/>
+                <a16:creationId xmlns:a16="http://schemas.microsoft.com/office/drawing/2014/main" id="{4F356F80-53C6-8CC1-9051-12AA5D3A020C}"/>
               </a:ext>
             </a:extLst>
           </p:cNvPr>
@@ -1169,7 +1169,7 @@
           <p:cNvPr id="6" name="灯片编号占位符 5">
             <a:extLst>
               <a:ext uri="{FF2B5EF4-FFF2-40B4-BE49-F238E27FC236}">
-                <a16:creationId xmlns:a16="http://schemas.microsoft.com/office/drawing/2014/main" id="{3063F987-A6CE-5503-6889-A212226AAF34}"/>
+                <a16:creationId xmlns:a16="http://schemas.microsoft.com/office/drawing/2014/main" id="{5331D7C8-0A5D-043E-DF48-A22EEC6C211E}"/>
               </a:ext>
             </a:extLst>
           </p:cNvPr>
@@ -1185,7 +1185,7 @@
           <a:bodyPr/>
           <a:lstStyle/>
           <a:p>
-            <a:fld id="{AEF97647-7655-4A2F-A5C8-F400651B0CC7}" type="slidenum">
+            <a:fld id="{037A5522-3E1B-4A57-A6AF-54C4C9E35FE5}" type="slidenum">
               <a:rPr lang="zh-CN" altLang="en-US" smtClean="0"/>
               <a:t>‹#›</a:t>
             </a:fld>
@@ -1196,7 +1196,7 @@
     </p:spTree>
     <p:extLst>
       <p:ext uri="{BB962C8B-B14F-4D97-AF65-F5344CB8AC3E}">
-        <p14:creationId xmlns:p14="http://schemas.microsoft.com/office/powerpoint/2010/main" val="4188634587"/>
+        <p14:creationId xmlns:p14="http://schemas.microsoft.com/office/powerpoint/2010/main" val="3411357743"/>
       </p:ext>
     </p:extLst>
   </p:cSld>
@@ -1228,7 +1228,7 @@
           <p:cNvPr id="2" name="标题 1">
             <a:extLst>
               <a:ext uri="{FF2B5EF4-FFF2-40B4-BE49-F238E27FC236}">
-                <a16:creationId xmlns:a16="http://schemas.microsoft.com/office/drawing/2014/main" id="{891C933F-D53D-0839-1BCE-29A147C9D6F4}"/>
+                <a16:creationId xmlns:a16="http://schemas.microsoft.com/office/drawing/2014/main" id="{2EE9FE69-CD12-708A-C4F2-02658836B68F}"/>
               </a:ext>
             </a:extLst>
           </p:cNvPr>
@@ -1256,7 +1256,7 @@
           <p:cNvPr id="3" name="内容占位符 2">
             <a:extLst>
               <a:ext uri="{FF2B5EF4-FFF2-40B4-BE49-F238E27FC236}">
-                <a16:creationId xmlns:a16="http://schemas.microsoft.com/office/drawing/2014/main" id="{24494271-D0EC-9E38-9675-B4CBD82F134F}"/>
+                <a16:creationId xmlns:a16="http://schemas.microsoft.com/office/drawing/2014/main" id="{1E40CB43-C761-9F50-78ED-252C779E8CBB}"/>
               </a:ext>
             </a:extLst>
           </p:cNvPr>
@@ -1318,7 +1318,7 @@
           <p:cNvPr id="4" name="内容占位符 3">
             <a:extLst>
               <a:ext uri="{FF2B5EF4-FFF2-40B4-BE49-F238E27FC236}">
-                <a16:creationId xmlns:a16="http://schemas.microsoft.com/office/drawing/2014/main" id="{27710D37-18BD-0DA9-D3C4-E3B014E0AC97}"/>
+                <a16:creationId xmlns:a16="http://schemas.microsoft.com/office/drawing/2014/main" id="{0AB1BE08-8C06-8394-8D01-94ED1483482D}"/>
               </a:ext>
             </a:extLst>
           </p:cNvPr>
@@ -1380,7 +1380,7 @@
           <p:cNvPr id="5" name="日期占位符 4">
             <a:extLst>
               <a:ext uri="{FF2B5EF4-FFF2-40B4-BE49-F238E27FC236}">
-                <a16:creationId xmlns:a16="http://schemas.microsoft.com/office/drawing/2014/main" id="{4B84A674-2CA6-76A2-A901-023DA0C714FC}"/>
+                <a16:creationId xmlns:a16="http://schemas.microsoft.com/office/drawing/2014/main" id="{4082F5C5-B7F1-B9A0-76DA-D9CDFB43919C}"/>
               </a:ext>
             </a:extLst>
           </p:cNvPr>
@@ -1396,7 +1396,7 @@
           <a:bodyPr/>
           <a:lstStyle/>
           <a:p>
-            <a:fld id="{CC4CAF1F-BFD3-42C5-A0A9-ECB2DEA8190D}" type="datetimeFigureOut">
+            <a:fld id="{A2FD1176-7168-4549-BE70-64E001E7380A}" type="datetimeFigureOut">
               <a:rPr lang="zh-CN" altLang="en-US" smtClean="0"/>
               <a:t>2024/3/10</a:t>
             </a:fld>
@@ -1409,7 +1409,7 @@
           <p:cNvPr id="6" name="页脚占位符 5">
             <a:extLst>
               <a:ext uri="{FF2B5EF4-FFF2-40B4-BE49-F238E27FC236}">
-                <a16:creationId xmlns:a16="http://schemas.microsoft.com/office/drawing/2014/main" id="{743FFB4A-C86A-AFC5-B32F-E42631D69832}"/>
+                <a16:creationId xmlns:a16="http://schemas.microsoft.com/office/drawing/2014/main" id="{0E68892B-7E22-73CC-0D4F-838EC33B3D82}"/>
               </a:ext>
             </a:extLst>
           </p:cNvPr>
@@ -1434,7 +1434,7 @@
           <p:cNvPr id="7" name="灯片编号占位符 6">
             <a:extLst>
               <a:ext uri="{FF2B5EF4-FFF2-40B4-BE49-F238E27FC236}">
-                <a16:creationId xmlns:a16="http://schemas.microsoft.com/office/drawing/2014/main" id="{9B4C22DE-7D7E-1F1C-05DE-90491EA00ACE}"/>
+                <a16:creationId xmlns:a16="http://schemas.microsoft.com/office/drawing/2014/main" id="{8BE78212-F5C2-03D0-9A33-D12365874EED}"/>
               </a:ext>
             </a:extLst>
           </p:cNvPr>
@@ -1450,7 +1450,7 @@
           <a:bodyPr/>
           <a:lstStyle/>
           <a:p>
-            <a:fld id="{AEF97647-7655-4A2F-A5C8-F400651B0CC7}" type="slidenum">
+            <a:fld id="{037A5522-3E1B-4A57-A6AF-54C4C9E35FE5}" type="slidenum">
               <a:rPr lang="zh-CN" altLang="en-US" smtClean="0"/>
               <a:t>‹#›</a:t>
             </a:fld>
@@ -1461,7 +1461,7 @@
     </p:spTree>
     <p:extLst>
       <p:ext uri="{BB962C8B-B14F-4D97-AF65-F5344CB8AC3E}">
-        <p14:creationId xmlns:p14="http://schemas.microsoft.com/office/powerpoint/2010/main" val="1605138894"/>
+        <p14:creationId xmlns:p14="http://schemas.microsoft.com/office/powerpoint/2010/main" val="279622008"/>
       </p:ext>
     </p:extLst>
   </p:cSld>
@@ -1493,7 +1493,7 @@
           <p:cNvPr id="2" name="标题 1">
             <a:extLst>
               <a:ext uri="{FF2B5EF4-FFF2-40B4-BE49-F238E27FC236}">
-                <a16:creationId xmlns:a16="http://schemas.microsoft.com/office/drawing/2014/main" id="{D0110746-DC77-9C14-1697-A4F72AC76E4C}"/>
+                <a16:creationId xmlns:a16="http://schemas.microsoft.com/office/drawing/2014/main" id="{AAB99BEB-BC0D-0098-B7B5-F94B23862D2D}"/>
               </a:ext>
             </a:extLst>
           </p:cNvPr>
@@ -1526,7 +1526,7 @@
           <p:cNvPr id="3" name="文本占位符 2">
             <a:extLst>
               <a:ext uri="{FF2B5EF4-FFF2-40B4-BE49-F238E27FC236}">
-                <a16:creationId xmlns:a16="http://schemas.microsoft.com/office/drawing/2014/main" id="{82E04C03-7006-862C-93B6-0F40829DCD1B}"/>
+                <a16:creationId xmlns:a16="http://schemas.microsoft.com/office/drawing/2014/main" id="{CB2F0AD2-4F4C-0188-D518-6F4F370B3C8D}"/>
               </a:ext>
             </a:extLst>
           </p:cNvPr>
@@ -1597,7 +1597,7 @@
           <p:cNvPr id="4" name="内容占位符 3">
             <a:extLst>
               <a:ext uri="{FF2B5EF4-FFF2-40B4-BE49-F238E27FC236}">
-                <a16:creationId xmlns:a16="http://schemas.microsoft.com/office/drawing/2014/main" id="{18199417-D105-EB5E-081E-13387C795B05}"/>
+                <a16:creationId xmlns:a16="http://schemas.microsoft.com/office/drawing/2014/main" id="{D7BE91BA-695D-227D-B617-556E4CB69B33}"/>
               </a:ext>
             </a:extLst>
           </p:cNvPr>
@@ -1659,7 +1659,7 @@
           <p:cNvPr id="5" name="文本占位符 4">
             <a:extLst>
               <a:ext uri="{FF2B5EF4-FFF2-40B4-BE49-F238E27FC236}">
-                <a16:creationId xmlns:a16="http://schemas.microsoft.com/office/drawing/2014/main" id="{FF429912-9FCD-5489-F0A1-71755A5FAB42}"/>
+                <a16:creationId xmlns:a16="http://schemas.microsoft.com/office/drawing/2014/main" id="{C669E22C-3269-2C07-1D3D-EF3A78490727}"/>
               </a:ext>
             </a:extLst>
           </p:cNvPr>
@@ -1730,7 +1730,7 @@
           <p:cNvPr id="6" name="内容占位符 5">
             <a:extLst>
               <a:ext uri="{FF2B5EF4-FFF2-40B4-BE49-F238E27FC236}">
-                <a16:creationId xmlns:a16="http://schemas.microsoft.com/office/drawing/2014/main" id="{3112B089-199F-3443-F828-7393CE6BCE70}"/>
+                <a16:creationId xmlns:a16="http://schemas.microsoft.com/office/drawing/2014/main" id="{E5D6D25B-00DD-CAF8-4296-FA0DD44FE6AC}"/>
               </a:ext>
             </a:extLst>
           </p:cNvPr>
@@ -1792,7 +1792,7 @@
           <p:cNvPr id="7" name="日期占位符 6">
             <a:extLst>
               <a:ext uri="{FF2B5EF4-FFF2-40B4-BE49-F238E27FC236}">
-                <a16:creationId xmlns:a16="http://schemas.microsoft.com/office/drawing/2014/main" id="{9A0DABF6-864A-E472-5E09-E51BFA5AD564}"/>
+                <a16:creationId xmlns:a16="http://schemas.microsoft.com/office/drawing/2014/main" id="{DEB8E912-764A-C948-AA9F-0A27CEFC3CF7}"/>
               </a:ext>
             </a:extLst>
           </p:cNvPr>
@@ -1808,7 +1808,7 @@
           <a:bodyPr/>
           <a:lstStyle/>
           <a:p>
-            <a:fld id="{CC4CAF1F-BFD3-42C5-A0A9-ECB2DEA8190D}" type="datetimeFigureOut">
+            <a:fld id="{A2FD1176-7168-4549-BE70-64E001E7380A}" type="datetimeFigureOut">
               <a:rPr lang="zh-CN" altLang="en-US" smtClean="0"/>
               <a:t>2024/3/10</a:t>
             </a:fld>
@@ -1821,7 +1821,7 @@
           <p:cNvPr id="8" name="页脚占位符 7">
             <a:extLst>
               <a:ext uri="{FF2B5EF4-FFF2-40B4-BE49-F238E27FC236}">
-                <a16:creationId xmlns:a16="http://schemas.microsoft.com/office/drawing/2014/main" id="{6DD16227-D5FC-2B1B-5A5C-A5255F43D6C5}"/>
+                <a16:creationId xmlns:a16="http://schemas.microsoft.com/office/drawing/2014/main" id="{517C1063-854E-3403-D6DE-14DE9132E12B}"/>
               </a:ext>
             </a:extLst>
           </p:cNvPr>
@@ -1846,7 +1846,7 @@
           <p:cNvPr id="9" name="灯片编号占位符 8">
             <a:extLst>
               <a:ext uri="{FF2B5EF4-FFF2-40B4-BE49-F238E27FC236}">
-                <a16:creationId xmlns:a16="http://schemas.microsoft.com/office/drawing/2014/main" id="{284AA68B-1861-D2AB-5C39-5CBC73AFA89A}"/>
+                <a16:creationId xmlns:a16="http://schemas.microsoft.com/office/drawing/2014/main" id="{FBC029FD-664E-6DB9-66CA-BA1082F868E6}"/>
               </a:ext>
             </a:extLst>
           </p:cNvPr>
@@ -1862,7 +1862,7 @@
           <a:bodyPr/>
           <a:lstStyle/>
           <a:p>
-            <a:fld id="{AEF97647-7655-4A2F-A5C8-F400651B0CC7}" type="slidenum">
+            <a:fld id="{037A5522-3E1B-4A57-A6AF-54C4C9E35FE5}" type="slidenum">
               <a:rPr lang="zh-CN" altLang="en-US" smtClean="0"/>
               <a:t>‹#›</a:t>
             </a:fld>
@@ -1873,7 +1873,7 @@
     </p:spTree>
     <p:extLst>
       <p:ext uri="{BB962C8B-B14F-4D97-AF65-F5344CB8AC3E}">
-        <p14:creationId xmlns:p14="http://schemas.microsoft.com/office/powerpoint/2010/main" val="2966722849"/>
+        <p14:creationId xmlns:p14="http://schemas.microsoft.com/office/powerpoint/2010/main" val="3906598001"/>
       </p:ext>
     </p:extLst>
   </p:cSld>
@@ -1905,7 +1905,7 @@
           <p:cNvPr id="2" name="标题 1">
             <a:extLst>
               <a:ext uri="{FF2B5EF4-FFF2-40B4-BE49-F238E27FC236}">
-                <a16:creationId xmlns:a16="http://schemas.microsoft.com/office/drawing/2014/main" id="{420449E1-6E76-A065-91D4-4C16EFC8B5E6}"/>
+                <a16:creationId xmlns:a16="http://schemas.microsoft.com/office/drawing/2014/main" id="{5EFC82E7-FBDE-4D40-0755-74270B4990D1}"/>
               </a:ext>
             </a:extLst>
           </p:cNvPr>
@@ -1933,7 +1933,7 @@
           <p:cNvPr id="3" name="日期占位符 2">
             <a:extLst>
               <a:ext uri="{FF2B5EF4-FFF2-40B4-BE49-F238E27FC236}">
-                <a16:creationId xmlns:a16="http://schemas.microsoft.com/office/drawing/2014/main" id="{248951A9-DA44-04EF-EA4D-81E60A7FF38C}"/>
+                <a16:creationId xmlns:a16="http://schemas.microsoft.com/office/drawing/2014/main" id="{896A7A36-7F4F-1C9E-1746-41751B46E212}"/>
               </a:ext>
             </a:extLst>
           </p:cNvPr>
@@ -1949,7 +1949,7 @@
           <a:bodyPr/>
           <a:lstStyle/>
           <a:p>
-            <a:fld id="{CC4CAF1F-BFD3-42C5-A0A9-ECB2DEA8190D}" type="datetimeFigureOut">
+            <a:fld id="{A2FD1176-7168-4549-BE70-64E001E7380A}" type="datetimeFigureOut">
               <a:rPr lang="zh-CN" altLang="en-US" smtClean="0"/>
               <a:t>2024/3/10</a:t>
             </a:fld>
@@ -1962,7 +1962,7 @@
           <p:cNvPr id="4" name="页脚占位符 3">
             <a:extLst>
               <a:ext uri="{FF2B5EF4-FFF2-40B4-BE49-F238E27FC236}">
-                <a16:creationId xmlns:a16="http://schemas.microsoft.com/office/drawing/2014/main" id="{08DB2ED6-5A71-C73F-62F2-E81F0B3ED169}"/>
+                <a16:creationId xmlns:a16="http://schemas.microsoft.com/office/drawing/2014/main" id="{A899FA94-8872-FCBF-183C-2D4B2E2F2F3A}"/>
               </a:ext>
             </a:extLst>
           </p:cNvPr>
@@ -1987,7 +1987,7 @@
           <p:cNvPr id="5" name="灯片编号占位符 4">
             <a:extLst>
               <a:ext uri="{FF2B5EF4-FFF2-40B4-BE49-F238E27FC236}">
-                <a16:creationId xmlns:a16="http://schemas.microsoft.com/office/drawing/2014/main" id="{AD370295-3045-A415-D408-46C27B5679CD}"/>
+                <a16:creationId xmlns:a16="http://schemas.microsoft.com/office/drawing/2014/main" id="{85046B1B-1F48-3B90-9517-75748318B568}"/>
               </a:ext>
             </a:extLst>
           </p:cNvPr>
@@ -2003,7 +2003,7 @@
           <a:bodyPr/>
           <a:lstStyle/>
           <a:p>
-            <a:fld id="{AEF97647-7655-4A2F-A5C8-F400651B0CC7}" type="slidenum">
+            <a:fld id="{037A5522-3E1B-4A57-A6AF-54C4C9E35FE5}" type="slidenum">
               <a:rPr lang="zh-CN" altLang="en-US" smtClean="0"/>
               <a:t>‹#›</a:t>
             </a:fld>
@@ -2014,7 +2014,7 @@
     </p:spTree>
     <p:extLst>
       <p:ext uri="{BB962C8B-B14F-4D97-AF65-F5344CB8AC3E}">
-        <p14:creationId xmlns:p14="http://schemas.microsoft.com/office/powerpoint/2010/main" val="1697328351"/>
+        <p14:creationId xmlns:p14="http://schemas.microsoft.com/office/powerpoint/2010/main" val="1673978133"/>
       </p:ext>
     </p:extLst>
   </p:cSld>
@@ -2046,7 +2046,7 @@
           <p:cNvPr id="2" name="日期占位符 1">
             <a:extLst>
               <a:ext uri="{FF2B5EF4-FFF2-40B4-BE49-F238E27FC236}">
-                <a16:creationId xmlns:a16="http://schemas.microsoft.com/office/drawing/2014/main" id="{E5AFC6F3-191C-AE76-3B7D-4599C12352CF}"/>
+                <a16:creationId xmlns:a16="http://schemas.microsoft.com/office/drawing/2014/main" id="{FC1703DE-4D7E-2F24-BA4C-1C8B4A71FAD9}"/>
               </a:ext>
             </a:extLst>
           </p:cNvPr>
@@ -2062,7 +2062,7 @@
           <a:bodyPr/>
           <a:lstStyle/>
           <a:p>
-            <a:fld id="{CC4CAF1F-BFD3-42C5-A0A9-ECB2DEA8190D}" type="datetimeFigureOut">
+            <a:fld id="{A2FD1176-7168-4549-BE70-64E001E7380A}" type="datetimeFigureOut">
               <a:rPr lang="zh-CN" altLang="en-US" smtClean="0"/>
               <a:t>2024/3/10</a:t>
             </a:fld>
@@ -2075,7 +2075,7 @@
           <p:cNvPr id="3" name="页脚占位符 2">
             <a:extLst>
               <a:ext uri="{FF2B5EF4-FFF2-40B4-BE49-F238E27FC236}">
-                <a16:creationId xmlns:a16="http://schemas.microsoft.com/office/drawing/2014/main" id="{E2AA2800-1C89-FF1F-4260-9A094A59C884}"/>
+                <a16:creationId xmlns:a16="http://schemas.microsoft.com/office/drawing/2014/main" id="{83EC4040-FAB7-143A-B199-018A8940382D}"/>
               </a:ext>
             </a:extLst>
           </p:cNvPr>
@@ -2100,7 +2100,7 @@
           <p:cNvPr id="4" name="灯片编号占位符 3">
             <a:extLst>
               <a:ext uri="{FF2B5EF4-FFF2-40B4-BE49-F238E27FC236}">
-                <a16:creationId xmlns:a16="http://schemas.microsoft.com/office/drawing/2014/main" id="{E5189CB6-6972-BF49-B3A9-833247325E37}"/>
+                <a16:creationId xmlns:a16="http://schemas.microsoft.com/office/drawing/2014/main" id="{FF5474A8-C5AA-6C0A-2992-C4C1D35C95F9}"/>
               </a:ext>
             </a:extLst>
           </p:cNvPr>
@@ -2116,7 +2116,7 @@
           <a:bodyPr/>
           <a:lstStyle/>
           <a:p>
-            <a:fld id="{AEF97647-7655-4A2F-A5C8-F400651B0CC7}" type="slidenum">
+            <a:fld id="{037A5522-3E1B-4A57-A6AF-54C4C9E35FE5}" type="slidenum">
               <a:rPr lang="zh-CN" altLang="en-US" smtClean="0"/>
               <a:t>‹#›</a:t>
             </a:fld>
@@ -2127,7 +2127,7 @@
     </p:spTree>
     <p:extLst>
       <p:ext uri="{BB962C8B-B14F-4D97-AF65-F5344CB8AC3E}">
-        <p14:creationId xmlns:p14="http://schemas.microsoft.com/office/powerpoint/2010/main" val="3735413107"/>
+        <p14:creationId xmlns:p14="http://schemas.microsoft.com/office/powerpoint/2010/main" val="1390421405"/>
       </p:ext>
     </p:extLst>
   </p:cSld>
@@ -2159,7 +2159,7 @@
           <p:cNvPr id="2" name="标题 1">
             <a:extLst>
               <a:ext uri="{FF2B5EF4-FFF2-40B4-BE49-F238E27FC236}">
-                <a16:creationId xmlns:a16="http://schemas.microsoft.com/office/drawing/2014/main" id="{02181FA6-2EE7-FC98-DB67-64FFEA609CE6}"/>
+                <a16:creationId xmlns:a16="http://schemas.microsoft.com/office/drawing/2014/main" id="{F37171FB-A109-CBBC-C1B4-59147C19C743}"/>
               </a:ext>
             </a:extLst>
           </p:cNvPr>
@@ -2196,7 +2196,7 @@
           <p:cNvPr id="3" name="内容占位符 2">
             <a:extLst>
               <a:ext uri="{FF2B5EF4-FFF2-40B4-BE49-F238E27FC236}">
-                <a16:creationId xmlns:a16="http://schemas.microsoft.com/office/drawing/2014/main" id="{D1DFF10B-8CA6-9863-008F-34BAB0F30407}"/>
+                <a16:creationId xmlns:a16="http://schemas.microsoft.com/office/drawing/2014/main" id="{D0EE048E-096D-27E0-E98B-14773CAF0883}"/>
               </a:ext>
             </a:extLst>
           </p:cNvPr>
@@ -2286,7 +2286,7 @@
           <p:cNvPr id="4" name="文本占位符 3">
             <a:extLst>
               <a:ext uri="{FF2B5EF4-FFF2-40B4-BE49-F238E27FC236}">
-                <a16:creationId xmlns:a16="http://schemas.microsoft.com/office/drawing/2014/main" id="{4BD50AF0-C2F0-628C-A888-7EE2BF514968}"/>
+                <a16:creationId xmlns:a16="http://schemas.microsoft.com/office/drawing/2014/main" id="{6B244918-D1F1-EE6B-3F6D-244D6A642639}"/>
               </a:ext>
             </a:extLst>
           </p:cNvPr>
@@ -2357,7 +2357,7 @@
           <p:cNvPr id="5" name="日期占位符 4">
             <a:extLst>
               <a:ext uri="{FF2B5EF4-FFF2-40B4-BE49-F238E27FC236}">
-                <a16:creationId xmlns:a16="http://schemas.microsoft.com/office/drawing/2014/main" id="{299713B1-75DA-4912-CE9A-4F9BCA0875A4}"/>
+                <a16:creationId xmlns:a16="http://schemas.microsoft.com/office/drawing/2014/main" id="{6AA0F3DF-5BB7-1E0B-D837-B96BC7CD39E2}"/>
               </a:ext>
             </a:extLst>
           </p:cNvPr>
@@ -2373,7 +2373,7 @@
           <a:bodyPr/>
           <a:lstStyle/>
           <a:p>
-            <a:fld id="{CC4CAF1F-BFD3-42C5-A0A9-ECB2DEA8190D}" type="datetimeFigureOut">
+            <a:fld id="{A2FD1176-7168-4549-BE70-64E001E7380A}" type="datetimeFigureOut">
               <a:rPr lang="zh-CN" altLang="en-US" smtClean="0"/>
               <a:t>2024/3/10</a:t>
             </a:fld>
@@ -2386,7 +2386,7 @@
           <p:cNvPr id="6" name="页脚占位符 5">
             <a:extLst>
               <a:ext uri="{FF2B5EF4-FFF2-40B4-BE49-F238E27FC236}">
-                <a16:creationId xmlns:a16="http://schemas.microsoft.com/office/drawing/2014/main" id="{4545B4C2-28C6-7896-63FC-15078744B2AF}"/>
+                <a16:creationId xmlns:a16="http://schemas.microsoft.com/office/drawing/2014/main" id="{CAD39C85-82F3-CE13-B139-C5895973F4ED}"/>
               </a:ext>
             </a:extLst>
           </p:cNvPr>
@@ -2411,7 +2411,7 @@
           <p:cNvPr id="7" name="灯片编号占位符 6">
             <a:extLst>
               <a:ext uri="{FF2B5EF4-FFF2-40B4-BE49-F238E27FC236}">
-                <a16:creationId xmlns:a16="http://schemas.microsoft.com/office/drawing/2014/main" id="{33AD05EA-7798-7BF5-BB12-A7738CD8AC2F}"/>
+                <a16:creationId xmlns:a16="http://schemas.microsoft.com/office/drawing/2014/main" id="{67CC0578-0577-F11A-5D88-093D3E12C655}"/>
               </a:ext>
             </a:extLst>
           </p:cNvPr>
@@ -2427,7 +2427,7 @@
           <a:bodyPr/>
           <a:lstStyle/>
           <a:p>
-            <a:fld id="{AEF97647-7655-4A2F-A5C8-F400651B0CC7}" type="slidenum">
+            <a:fld id="{037A5522-3E1B-4A57-A6AF-54C4C9E35FE5}" type="slidenum">
               <a:rPr lang="zh-CN" altLang="en-US" smtClean="0"/>
               <a:t>‹#›</a:t>
             </a:fld>
@@ -2438,7 +2438,7 @@
     </p:spTree>
     <p:extLst>
       <p:ext uri="{BB962C8B-B14F-4D97-AF65-F5344CB8AC3E}">
-        <p14:creationId xmlns:p14="http://schemas.microsoft.com/office/powerpoint/2010/main" val="4160555335"/>
+        <p14:creationId xmlns:p14="http://schemas.microsoft.com/office/powerpoint/2010/main" val="2849462729"/>
       </p:ext>
     </p:extLst>
   </p:cSld>
@@ -2470,7 +2470,7 @@
           <p:cNvPr id="2" name="标题 1">
             <a:extLst>
               <a:ext uri="{FF2B5EF4-FFF2-40B4-BE49-F238E27FC236}">
-                <a16:creationId xmlns:a16="http://schemas.microsoft.com/office/drawing/2014/main" id="{246F1757-7471-98D5-821C-31D7B46F8CD8}"/>
+                <a16:creationId xmlns:a16="http://schemas.microsoft.com/office/drawing/2014/main" id="{4F300557-7ECC-7486-6411-A54E77AF391F}"/>
               </a:ext>
             </a:extLst>
           </p:cNvPr>
@@ -2507,7 +2507,7 @@
           <p:cNvPr id="3" name="图片占位符 2">
             <a:extLst>
               <a:ext uri="{FF2B5EF4-FFF2-40B4-BE49-F238E27FC236}">
-                <a16:creationId xmlns:a16="http://schemas.microsoft.com/office/drawing/2014/main" id="{C77463B8-1F33-AC10-7529-75D10B0CFB29}"/>
+                <a16:creationId xmlns:a16="http://schemas.microsoft.com/office/drawing/2014/main" id="{CD4A7482-0E97-0D3E-11AA-B08AC71EBCBD}"/>
               </a:ext>
             </a:extLst>
           </p:cNvPr>
@@ -2574,7 +2574,7 @@
           <p:cNvPr id="4" name="文本占位符 3">
             <a:extLst>
               <a:ext uri="{FF2B5EF4-FFF2-40B4-BE49-F238E27FC236}">
-                <a16:creationId xmlns:a16="http://schemas.microsoft.com/office/drawing/2014/main" id="{1F02489A-EF75-3126-1ED4-74DE086F3237}"/>
+                <a16:creationId xmlns:a16="http://schemas.microsoft.com/office/drawing/2014/main" id="{22C20C55-85DE-9A0A-50D7-C6463C76EBE0}"/>
               </a:ext>
             </a:extLst>
           </p:cNvPr>
@@ -2645,7 +2645,7 @@
           <p:cNvPr id="5" name="日期占位符 4">
             <a:extLst>
               <a:ext uri="{FF2B5EF4-FFF2-40B4-BE49-F238E27FC236}">
-                <a16:creationId xmlns:a16="http://schemas.microsoft.com/office/drawing/2014/main" id="{2348D3AC-459C-6634-7F78-01077932F6D2}"/>
+                <a16:creationId xmlns:a16="http://schemas.microsoft.com/office/drawing/2014/main" id="{2C136CFF-F0AC-50DB-4070-F79C6BD75DE7}"/>
               </a:ext>
             </a:extLst>
           </p:cNvPr>
@@ -2661,7 +2661,7 @@
           <a:bodyPr/>
           <a:lstStyle/>
           <a:p>
-            <a:fld id="{CC4CAF1F-BFD3-42C5-A0A9-ECB2DEA8190D}" type="datetimeFigureOut">
+            <a:fld id="{A2FD1176-7168-4549-BE70-64E001E7380A}" type="datetimeFigureOut">
               <a:rPr lang="zh-CN" altLang="en-US" smtClean="0"/>
               <a:t>2024/3/10</a:t>
             </a:fld>
@@ -2674,7 +2674,7 @@
           <p:cNvPr id="6" name="页脚占位符 5">
             <a:extLst>
               <a:ext uri="{FF2B5EF4-FFF2-40B4-BE49-F238E27FC236}">
-                <a16:creationId xmlns:a16="http://schemas.microsoft.com/office/drawing/2014/main" id="{E0D5EB8E-A9EE-3207-0604-62030A3DDDE1}"/>
+                <a16:creationId xmlns:a16="http://schemas.microsoft.com/office/drawing/2014/main" id="{A014ACEE-0E30-8FCB-D6CE-A717C6195C70}"/>
               </a:ext>
             </a:extLst>
           </p:cNvPr>
@@ -2699,7 +2699,7 @@
           <p:cNvPr id="7" name="灯片编号占位符 6">
             <a:extLst>
               <a:ext uri="{FF2B5EF4-FFF2-40B4-BE49-F238E27FC236}">
-                <a16:creationId xmlns:a16="http://schemas.microsoft.com/office/drawing/2014/main" id="{673A75B6-0670-E245-295B-51655AC63A49}"/>
+                <a16:creationId xmlns:a16="http://schemas.microsoft.com/office/drawing/2014/main" id="{F0B7A94F-536F-16CD-DBA7-2AC291645B37}"/>
               </a:ext>
             </a:extLst>
           </p:cNvPr>
@@ -2715,7 +2715,7 @@
           <a:bodyPr/>
           <a:lstStyle/>
           <a:p>
-            <a:fld id="{AEF97647-7655-4A2F-A5C8-F400651B0CC7}" type="slidenum">
+            <a:fld id="{037A5522-3E1B-4A57-A6AF-54C4C9E35FE5}" type="slidenum">
               <a:rPr lang="zh-CN" altLang="en-US" smtClean="0"/>
               <a:t>‹#›</a:t>
             </a:fld>
@@ -2726,7 +2726,7 @@
     </p:spTree>
     <p:extLst>
       <p:ext uri="{BB962C8B-B14F-4D97-AF65-F5344CB8AC3E}">
-        <p14:creationId xmlns:p14="http://schemas.microsoft.com/office/powerpoint/2010/main" val="3982342839"/>
+        <p14:creationId xmlns:p14="http://schemas.microsoft.com/office/powerpoint/2010/main" val="3636155312"/>
       </p:ext>
     </p:extLst>
   </p:cSld>
@@ -2763,7 +2763,7 @@
           <p:cNvPr id="2" name="标题占位符 1">
             <a:extLst>
               <a:ext uri="{FF2B5EF4-FFF2-40B4-BE49-F238E27FC236}">
-                <a16:creationId xmlns:a16="http://schemas.microsoft.com/office/drawing/2014/main" id="{1E69EF96-43FF-FDB9-1A53-3E1066B5C30E}"/>
+                <a16:creationId xmlns:a16="http://schemas.microsoft.com/office/drawing/2014/main" id="{1C2AA829-1210-5BFE-F0E5-6D0715AC65D4}"/>
               </a:ext>
             </a:extLst>
           </p:cNvPr>
@@ -2801,7 +2801,7 @@
           <p:cNvPr id="3" name="文本占位符 2">
             <a:extLst>
               <a:ext uri="{FF2B5EF4-FFF2-40B4-BE49-F238E27FC236}">
-                <a16:creationId xmlns:a16="http://schemas.microsoft.com/office/drawing/2014/main" id="{794B571B-365B-E753-2602-D3C7978E4973}"/>
+                <a16:creationId xmlns:a16="http://schemas.microsoft.com/office/drawing/2014/main" id="{C06D1F2C-AF4E-DB35-6A8F-471F00AD78BD}"/>
               </a:ext>
             </a:extLst>
           </p:cNvPr>
@@ -2868,7 +2868,7 @@
           <p:cNvPr id="4" name="日期占位符 3">
             <a:extLst>
               <a:ext uri="{FF2B5EF4-FFF2-40B4-BE49-F238E27FC236}">
-                <a16:creationId xmlns:a16="http://schemas.microsoft.com/office/drawing/2014/main" id="{62BD6C8F-92DB-BA76-EDB1-CB2B7395A571}"/>
+                <a16:creationId xmlns:a16="http://schemas.microsoft.com/office/drawing/2014/main" id="{D081E70A-2424-898D-9B1A-D4A834E3077D}"/>
               </a:ext>
             </a:extLst>
           </p:cNvPr>
@@ -2902,7 +2902,7 @@
             </a:lvl1pPr>
           </a:lstStyle>
           <a:p>
-            <a:fld id="{CC4CAF1F-BFD3-42C5-A0A9-ECB2DEA8190D}" type="datetimeFigureOut">
+            <a:fld id="{A2FD1176-7168-4549-BE70-64E001E7380A}" type="datetimeFigureOut">
               <a:rPr lang="zh-CN" altLang="en-US" smtClean="0"/>
               <a:t>2024/3/10</a:t>
             </a:fld>
@@ -2915,7 +2915,7 @@
           <p:cNvPr id="5" name="页脚占位符 4">
             <a:extLst>
               <a:ext uri="{FF2B5EF4-FFF2-40B4-BE49-F238E27FC236}">
-                <a16:creationId xmlns:a16="http://schemas.microsoft.com/office/drawing/2014/main" id="{155313A4-2205-7D87-3835-87E1C9F0E9C3}"/>
+                <a16:creationId xmlns:a16="http://schemas.microsoft.com/office/drawing/2014/main" id="{F7ABECCF-F9D4-B1AD-FB3E-716EE2DC7D9F}"/>
               </a:ext>
             </a:extLst>
           </p:cNvPr>
@@ -2958,7 +2958,7 @@
           <p:cNvPr id="6" name="灯片编号占位符 5">
             <a:extLst>
               <a:ext uri="{FF2B5EF4-FFF2-40B4-BE49-F238E27FC236}">
-                <a16:creationId xmlns:a16="http://schemas.microsoft.com/office/drawing/2014/main" id="{67F43E57-CD56-E1DE-525E-8400A0405D00}"/>
+                <a16:creationId xmlns:a16="http://schemas.microsoft.com/office/drawing/2014/main" id="{63B84E3D-8142-9025-A41F-B9DA96F8242E}"/>
               </a:ext>
             </a:extLst>
           </p:cNvPr>
@@ -2992,7 +2992,7 @@
             </a:lvl1pPr>
           </a:lstStyle>
           <a:p>
-            <a:fld id="{AEF97647-7655-4A2F-A5C8-F400651B0CC7}" type="slidenum">
+            <a:fld id="{037A5522-3E1B-4A57-A6AF-54C4C9E35FE5}" type="slidenum">
               <a:rPr lang="zh-CN" altLang="en-US" smtClean="0"/>
               <a:t>‹#›</a:t>
             </a:fld>
@@ -3003,7 +3003,7 @@
     </p:spTree>
     <p:extLst>
       <p:ext uri="{BB962C8B-B14F-4D97-AF65-F5344CB8AC3E}">
-        <p14:creationId xmlns:p14="http://schemas.microsoft.com/office/powerpoint/2010/main" val="3789001596"/>
+        <p14:creationId xmlns:p14="http://schemas.microsoft.com/office/powerpoint/2010/main" val="1414798344"/>
       </p:ext>
     </p:extLst>
   </p:cSld>
